--- a/親子成長班/包容班/密室脫逃/選手卡片.pptx
+++ b/親子成長班/包容班/密室脫逃/選手卡片.pptx
@@ -289,7 +289,7 @@
           <a:p>
             <a:fld id="{AE0D1AA3-1648-4F7A-9EF8-8EBDF3C2A886}" type="datetimeFigureOut">
               <a:rPr lang="zh-TW" altLang="en-US" smtClean="0"/>
-              <a:t>2016/4/4</a:t>
+              <a:t>2016/4/17</a:t>
             </a:fld>
             <a:endParaRPr lang="zh-TW" altLang="en-US"/>
           </a:p>
@@ -459,7 +459,7 @@
           <a:p>
             <a:fld id="{AE0D1AA3-1648-4F7A-9EF8-8EBDF3C2A886}" type="datetimeFigureOut">
               <a:rPr lang="zh-TW" altLang="en-US" smtClean="0"/>
-              <a:t>2016/4/4</a:t>
+              <a:t>2016/4/17</a:t>
             </a:fld>
             <a:endParaRPr lang="zh-TW" altLang="en-US"/>
           </a:p>
@@ -639,7 +639,7 @@
           <a:p>
             <a:fld id="{AE0D1AA3-1648-4F7A-9EF8-8EBDF3C2A886}" type="datetimeFigureOut">
               <a:rPr lang="zh-TW" altLang="en-US" smtClean="0"/>
-              <a:t>2016/4/4</a:t>
+              <a:t>2016/4/17</a:t>
             </a:fld>
             <a:endParaRPr lang="zh-TW" altLang="en-US"/>
           </a:p>
@@ -809,7 +809,7 @@
           <a:p>
             <a:fld id="{AE0D1AA3-1648-4F7A-9EF8-8EBDF3C2A886}" type="datetimeFigureOut">
               <a:rPr lang="zh-TW" altLang="en-US" smtClean="0"/>
-              <a:t>2016/4/4</a:t>
+              <a:t>2016/4/17</a:t>
             </a:fld>
             <a:endParaRPr lang="zh-TW" altLang="en-US"/>
           </a:p>
@@ -1055,7 +1055,7 @@
           <a:p>
             <a:fld id="{AE0D1AA3-1648-4F7A-9EF8-8EBDF3C2A886}" type="datetimeFigureOut">
               <a:rPr lang="zh-TW" altLang="en-US" smtClean="0"/>
-              <a:t>2016/4/4</a:t>
+              <a:t>2016/4/17</a:t>
             </a:fld>
             <a:endParaRPr lang="zh-TW" altLang="en-US"/>
           </a:p>
@@ -1343,7 +1343,7 @@
           <a:p>
             <a:fld id="{AE0D1AA3-1648-4F7A-9EF8-8EBDF3C2A886}" type="datetimeFigureOut">
               <a:rPr lang="zh-TW" altLang="en-US" smtClean="0"/>
-              <a:t>2016/4/4</a:t>
+              <a:t>2016/4/17</a:t>
             </a:fld>
             <a:endParaRPr lang="zh-TW" altLang="en-US"/>
           </a:p>
@@ -1765,7 +1765,7 @@
           <a:p>
             <a:fld id="{AE0D1AA3-1648-4F7A-9EF8-8EBDF3C2A886}" type="datetimeFigureOut">
               <a:rPr lang="zh-TW" altLang="en-US" smtClean="0"/>
-              <a:t>2016/4/4</a:t>
+              <a:t>2016/4/17</a:t>
             </a:fld>
             <a:endParaRPr lang="zh-TW" altLang="en-US"/>
           </a:p>
@@ -1883,7 +1883,7 @@
           <a:p>
             <a:fld id="{AE0D1AA3-1648-4F7A-9EF8-8EBDF3C2A886}" type="datetimeFigureOut">
               <a:rPr lang="zh-TW" altLang="en-US" smtClean="0"/>
-              <a:t>2016/4/4</a:t>
+              <a:t>2016/4/17</a:t>
             </a:fld>
             <a:endParaRPr lang="zh-TW" altLang="en-US"/>
           </a:p>
@@ -1978,7 +1978,7 @@
           <a:p>
             <a:fld id="{AE0D1AA3-1648-4F7A-9EF8-8EBDF3C2A886}" type="datetimeFigureOut">
               <a:rPr lang="zh-TW" altLang="en-US" smtClean="0"/>
-              <a:t>2016/4/4</a:t>
+              <a:t>2016/4/17</a:t>
             </a:fld>
             <a:endParaRPr lang="zh-TW" altLang="en-US"/>
           </a:p>
@@ -2255,7 +2255,7 @@
           <a:p>
             <a:fld id="{AE0D1AA3-1648-4F7A-9EF8-8EBDF3C2A886}" type="datetimeFigureOut">
               <a:rPr lang="zh-TW" altLang="en-US" smtClean="0"/>
-              <a:t>2016/4/4</a:t>
+              <a:t>2016/4/17</a:t>
             </a:fld>
             <a:endParaRPr lang="zh-TW" altLang="en-US"/>
           </a:p>
@@ -2508,7 +2508,7 @@
           <a:p>
             <a:fld id="{AE0D1AA3-1648-4F7A-9EF8-8EBDF3C2A886}" type="datetimeFigureOut">
               <a:rPr lang="zh-TW" altLang="en-US" smtClean="0"/>
-              <a:t>2016/4/4</a:t>
+              <a:t>2016/4/17</a:t>
             </a:fld>
             <a:endParaRPr lang="zh-TW" altLang="en-US"/>
           </a:p>
@@ -2721,7 +2721,7 @@
           <a:p>
             <a:fld id="{AE0D1AA3-1648-4F7A-9EF8-8EBDF3C2A886}" type="datetimeFigureOut">
               <a:rPr lang="zh-TW" altLang="en-US" smtClean="0"/>
-              <a:t>2016/4/4</a:t>
+              <a:t>2016/4/17</a:t>
             </a:fld>
             <a:endParaRPr lang="zh-TW" altLang="en-US"/>
           </a:p>
@@ -3480,6 +3480,240 @@
           </a:extLst>
         </p:spPr>
       </p:pic>
+      <p:pic>
+        <p:nvPicPr>
+          <p:cNvPr id="1029" name="Picture 5" descr="D:\PSPSecurity\work\慈濟\親子成長班\包容班\photos\P_20160417_134940.jpg"/>
+          <p:cNvPicPr>
+            <a:picLocks noChangeAspect="1" noChangeArrowheads="1"/>
+          </p:cNvPicPr>
+          <p:nvPr/>
+        </p:nvPicPr>
+        <p:blipFill rotWithShape="1">
+          <a:blip r:embed="rId3" cstate="print">
+            <a:extLst>
+              <a:ext uri="{28A0092B-C50C-407E-A947-70E740481C1C}">
+                <a14:useLocalDpi xmlns:a14="http://schemas.microsoft.com/office/drawing/2010/main" val="0"/>
+              </a:ext>
+            </a:extLst>
+          </a:blip>
+          <a:srcRect l="22572" t="8501" r="26197" b="7045"/>
+          <a:stretch/>
+        </p:blipFill>
+        <p:spPr bwMode="auto">
+          <a:xfrm>
+            <a:off x="5289968" y="4708714"/>
+            <a:ext cx="872756" cy="809282"/>
+          </a:xfrm>
+          <a:prstGeom prst="rect">
+            <a:avLst/>
+          </a:prstGeom>
+          <a:noFill/>
+          <a:extLst>
+            <a:ext uri="{909E8E84-426E-40DD-AFC4-6F175D3DCCD1}">
+              <a14:hiddenFill xmlns:a14="http://schemas.microsoft.com/office/drawing/2010/main">
+                <a:solidFill>
+                  <a:srgbClr val="FFFFFF"/>
+                </a:solidFill>
+              </a14:hiddenFill>
+            </a:ext>
+          </a:extLst>
+        </p:spPr>
+      </p:pic>
+      <p:pic>
+        <p:nvPicPr>
+          <p:cNvPr id="1030" name="Picture 6" descr="D:\PSPSecurity\work\慈濟\親子成長班\包容班\photos\P_20160417_134834.jpg"/>
+          <p:cNvPicPr>
+            <a:picLocks noChangeAspect="1" noChangeArrowheads="1"/>
+          </p:cNvPicPr>
+          <p:nvPr/>
+        </p:nvPicPr>
+        <p:blipFill rotWithShape="1">
+          <a:blip r:embed="rId4" cstate="print">
+            <a:extLst>
+              <a:ext uri="{28A0092B-C50C-407E-A947-70E740481C1C}">
+                <a14:useLocalDpi xmlns:a14="http://schemas.microsoft.com/office/drawing/2010/main" val="0"/>
+              </a:ext>
+            </a:extLst>
+          </a:blip>
+          <a:srcRect l="23317" t="10487" r="26941" b="3402"/>
+          <a:stretch/>
+        </p:blipFill>
+        <p:spPr bwMode="auto">
+          <a:xfrm>
+            <a:off x="745760" y="4687249"/>
+            <a:ext cx="864096" cy="841442"/>
+          </a:xfrm>
+          <a:prstGeom prst="rect">
+            <a:avLst/>
+          </a:prstGeom>
+          <a:noFill/>
+          <a:extLst>
+            <a:ext uri="{909E8E84-426E-40DD-AFC4-6F175D3DCCD1}">
+              <a14:hiddenFill xmlns:a14="http://schemas.microsoft.com/office/drawing/2010/main">
+                <a:solidFill>
+                  <a:srgbClr val="FFFFFF"/>
+                </a:solidFill>
+              </a14:hiddenFill>
+            </a:ext>
+          </a:extLst>
+        </p:spPr>
+      </p:pic>
+      <p:pic>
+        <p:nvPicPr>
+          <p:cNvPr id="1031" name="Picture 7" descr="D:\PSPSecurity\work\慈濟\親子成長班\包容班\photos\P_20160417_134807.jpg"/>
+          <p:cNvPicPr>
+            <a:picLocks noChangeAspect="1" noChangeArrowheads="1"/>
+          </p:cNvPicPr>
+          <p:nvPr/>
+        </p:nvPicPr>
+        <p:blipFill rotWithShape="1">
+          <a:blip r:embed="rId5" cstate="print">
+            <a:extLst>
+              <a:ext uri="{28A0092B-C50C-407E-A947-70E740481C1C}">
+                <a14:useLocalDpi xmlns:a14="http://schemas.microsoft.com/office/drawing/2010/main" val="0"/>
+              </a:ext>
+            </a:extLst>
+          </a:blip>
+          <a:srcRect l="31141" t="3966" r="15764" b="7045"/>
+          <a:stretch/>
+        </p:blipFill>
+        <p:spPr bwMode="auto">
+          <a:xfrm>
+            <a:off x="5277643" y="2467377"/>
+            <a:ext cx="872756" cy="822815"/>
+          </a:xfrm>
+          <a:prstGeom prst="rect">
+            <a:avLst/>
+          </a:prstGeom>
+          <a:noFill/>
+          <a:extLst>
+            <a:ext uri="{909E8E84-426E-40DD-AFC4-6F175D3DCCD1}">
+              <a14:hiddenFill xmlns:a14="http://schemas.microsoft.com/office/drawing/2010/main">
+                <a:solidFill>
+                  <a:srgbClr val="FFFFFF"/>
+                </a:solidFill>
+              </a14:hiddenFill>
+            </a:ext>
+          </a:extLst>
+        </p:spPr>
+      </p:pic>
+      <p:pic>
+        <p:nvPicPr>
+          <p:cNvPr id="1032" name="Picture 8" descr="D:\PSPSecurity\work\慈濟\親子成長班\包容班\photos\P_20160417_134709.jpg"/>
+          <p:cNvPicPr>
+            <a:picLocks noChangeAspect="1" noChangeArrowheads="1"/>
+          </p:cNvPicPr>
+          <p:nvPr/>
+        </p:nvPicPr>
+        <p:blipFill rotWithShape="1">
+          <a:blip r:embed="rId6" cstate="print">
+            <a:extLst>
+              <a:ext uri="{28A0092B-C50C-407E-A947-70E740481C1C}">
+                <a14:useLocalDpi xmlns:a14="http://schemas.microsoft.com/office/drawing/2010/main" val="0"/>
+              </a:ext>
+            </a:extLst>
+          </a:blip>
+          <a:srcRect l="33563" r="10361"/>
+          <a:stretch/>
+        </p:blipFill>
+        <p:spPr bwMode="auto">
+          <a:xfrm>
+            <a:off x="766374" y="2462030"/>
+            <a:ext cx="836826" cy="839427"/>
+          </a:xfrm>
+          <a:prstGeom prst="rect">
+            <a:avLst/>
+          </a:prstGeom>
+          <a:noFill/>
+          <a:extLst>
+            <a:ext uri="{909E8E84-426E-40DD-AFC4-6F175D3DCCD1}">
+              <a14:hiddenFill xmlns:a14="http://schemas.microsoft.com/office/drawing/2010/main">
+                <a:solidFill>
+                  <a:srgbClr val="FFFFFF"/>
+                </a:solidFill>
+              </a14:hiddenFill>
+            </a:ext>
+          </a:extLst>
+        </p:spPr>
+      </p:pic>
+      <p:pic>
+        <p:nvPicPr>
+          <p:cNvPr id="1033" name="Picture 9" descr="D:\PSPSecurity\work\慈濟\親子成長班\包容班\photos\P_20160417_134639.jpg"/>
+          <p:cNvPicPr>
+            <a:picLocks noChangeAspect="1" noChangeArrowheads="1"/>
+          </p:cNvPicPr>
+          <p:nvPr/>
+        </p:nvPicPr>
+        <p:blipFill rotWithShape="1">
+          <a:blip r:embed="rId7" cstate="print">
+            <a:extLst>
+              <a:ext uri="{28A0092B-C50C-407E-A947-70E740481C1C}">
+                <a14:useLocalDpi xmlns:a14="http://schemas.microsoft.com/office/drawing/2010/main" val="0"/>
+              </a:ext>
+            </a:extLst>
+          </a:blip>
+          <a:srcRect l="8972" t="14461" r="40914"/>
+          <a:stretch/>
+        </p:blipFill>
+        <p:spPr bwMode="auto">
+          <a:xfrm>
+            <a:off x="5295316" y="278093"/>
+            <a:ext cx="881820" cy="846652"/>
+          </a:xfrm>
+          <a:prstGeom prst="rect">
+            <a:avLst/>
+          </a:prstGeom>
+          <a:noFill/>
+          <a:extLst>
+            <a:ext uri="{909E8E84-426E-40DD-AFC4-6F175D3DCCD1}">
+              <a14:hiddenFill xmlns:a14="http://schemas.microsoft.com/office/drawing/2010/main">
+                <a:solidFill>
+                  <a:srgbClr val="FFFFFF"/>
+                </a:solidFill>
+              </a14:hiddenFill>
+            </a:ext>
+          </a:extLst>
+        </p:spPr>
+      </p:pic>
+      <p:pic>
+        <p:nvPicPr>
+          <p:cNvPr id="1034" name="Picture 10" descr="D:\PSPSecurity\work\慈濟\親子成長班\包容班\photos\P_20160417_135252.jpg"/>
+          <p:cNvPicPr>
+            <a:picLocks noChangeAspect="1" noChangeArrowheads="1"/>
+          </p:cNvPicPr>
+          <p:nvPr/>
+        </p:nvPicPr>
+        <p:blipFill rotWithShape="1">
+          <a:blip r:embed="rId8" cstate="print">
+            <a:extLst>
+              <a:ext uri="{28A0092B-C50C-407E-A947-70E740481C1C}">
+                <a14:useLocalDpi xmlns:a14="http://schemas.microsoft.com/office/drawing/2010/main" val="0"/>
+              </a:ext>
+            </a:extLst>
+          </a:blip>
+          <a:srcRect l="32014" t="4021" r="26173" b="15097"/>
+          <a:stretch/>
+        </p:blipFill>
+        <p:spPr bwMode="auto">
+          <a:xfrm>
+            <a:off x="803111" y="278092"/>
+            <a:ext cx="800089" cy="870563"/>
+          </a:xfrm>
+          <a:prstGeom prst="rect">
+            <a:avLst/>
+          </a:prstGeom>
+          <a:noFill/>
+          <a:extLst>
+            <a:ext uri="{909E8E84-426E-40DD-AFC4-6F175D3DCCD1}">
+              <a14:hiddenFill xmlns:a14="http://schemas.microsoft.com/office/drawing/2010/main">
+                <a:solidFill>
+                  <a:srgbClr val="FFFFFF"/>
+                </a:solidFill>
+              </a14:hiddenFill>
+            </a:ext>
+          </a:extLst>
+        </p:spPr>
+      </p:pic>
     </p:spTree>
     <p:extLst>
       <p:ext uri="{BB962C8B-B14F-4D97-AF65-F5344CB8AC3E}">
@@ -3890,6 +4124,162 @@
                   </a:outerShdw>
                 </a:effectLst>
               </a14:hiddenEffects>
+            </a:ext>
+          </a:extLst>
+        </p:spPr>
+      </p:pic>
+      <p:pic>
+        <p:nvPicPr>
+          <p:cNvPr id="8" name="Picture 4" descr="D:\PSPSecurity\work\慈濟\親子成長班\包容班\photos\P_20160417_135019.jpg"/>
+          <p:cNvPicPr>
+            <a:picLocks noChangeAspect="1" noChangeArrowheads="1"/>
+          </p:cNvPicPr>
+          <p:nvPr/>
+        </p:nvPicPr>
+        <p:blipFill rotWithShape="1">
+          <a:blip r:embed="rId3" cstate="print">
+            <a:extLst>
+              <a:ext uri="{28A0092B-C50C-407E-A947-70E740481C1C}">
+                <a14:useLocalDpi xmlns:a14="http://schemas.microsoft.com/office/drawing/2010/main" val="0"/>
+              </a:ext>
+            </a:extLst>
+          </a:blip>
+          <a:srcRect l="20523" t="3966" r="29177" b="5389"/>
+          <a:stretch/>
+        </p:blipFill>
+        <p:spPr bwMode="auto">
+          <a:xfrm>
+            <a:off x="776536" y="296542"/>
+            <a:ext cx="846107" cy="857676"/>
+          </a:xfrm>
+          <a:prstGeom prst="rect">
+            <a:avLst/>
+          </a:prstGeom>
+          <a:noFill/>
+          <a:extLst>
+            <a:ext uri="{909E8E84-426E-40DD-AFC4-6F175D3DCCD1}">
+              <a14:hiddenFill xmlns:a14="http://schemas.microsoft.com/office/drawing/2010/main">
+                <a:solidFill>
+                  <a:srgbClr val="FFFFFF"/>
+                </a:solidFill>
+              </a14:hiddenFill>
+            </a:ext>
+          </a:extLst>
+        </p:spPr>
+      </p:pic>
+      <p:pic>
+        <p:nvPicPr>
+          <p:cNvPr id="9" name="Picture 2" descr="D:\PSPSecurity\work\慈濟\親子成長班\包容班\photos\P_20160417_135131.jpg"/>
+          <p:cNvPicPr>
+            <a:picLocks noChangeAspect="1" noChangeArrowheads="1"/>
+          </p:cNvPicPr>
+          <p:nvPr/>
+        </p:nvPicPr>
+        <p:blipFill rotWithShape="1">
+          <a:blip r:embed="rId4" cstate="print">
+            <a:extLst>
+              <a:ext uri="{28A0092B-C50C-407E-A947-70E740481C1C}">
+                <a14:useLocalDpi xmlns:a14="http://schemas.microsoft.com/office/drawing/2010/main" val="0"/>
+              </a:ext>
+            </a:extLst>
+          </a:blip>
+          <a:srcRect l="27505" t="-1" r="18185" b="10026"/>
+          <a:stretch/>
+        </p:blipFill>
+        <p:spPr bwMode="auto">
+          <a:xfrm>
+            <a:off x="5313040" y="303236"/>
+            <a:ext cx="881543" cy="821508"/>
+          </a:xfrm>
+          <a:prstGeom prst="rect">
+            <a:avLst/>
+          </a:prstGeom>
+          <a:noFill/>
+          <a:extLst>
+            <a:ext uri="{909E8E84-426E-40DD-AFC4-6F175D3DCCD1}">
+              <a14:hiddenFill xmlns:a14="http://schemas.microsoft.com/office/drawing/2010/main">
+                <a:solidFill>
+                  <a:srgbClr val="FFFFFF"/>
+                </a:solidFill>
+              </a14:hiddenFill>
+            </a:ext>
+          </a:extLst>
+        </p:spPr>
+      </p:pic>
+      <p:pic>
+        <p:nvPicPr>
+          <p:cNvPr id="10" name="Picture 3" descr="D:\PSPSecurity\work\慈濟\親子成長班\包容班\photos\P_20160417_135052.jpg"/>
+          <p:cNvPicPr>
+            <a:picLocks noChangeAspect="1" noChangeArrowheads="1"/>
+          </p:cNvPicPr>
+          <p:nvPr/>
+        </p:nvPicPr>
+        <p:blipFill rotWithShape="1">
+          <a:blip r:embed="rId5" cstate="print">
+            <a:extLst>
+              <a:ext uri="{28A0092B-C50C-407E-A947-70E740481C1C}">
+                <a14:useLocalDpi xmlns:a14="http://schemas.microsoft.com/office/drawing/2010/main" val="0"/>
+              </a:ext>
+            </a:extLst>
+          </a:blip>
+          <a:srcRect l="27506" t="12805" r="27315" b="11681"/>
+          <a:stretch/>
+        </p:blipFill>
+        <p:spPr bwMode="auto">
+          <a:xfrm>
+            <a:off x="749800" y="2469014"/>
+            <a:ext cx="867924" cy="815970"/>
+          </a:xfrm>
+          <a:prstGeom prst="rect">
+            <a:avLst/>
+          </a:prstGeom>
+          <a:noFill/>
+          <a:extLst>
+            <a:ext uri="{909E8E84-426E-40DD-AFC4-6F175D3DCCD1}">
+              <a14:hiddenFill xmlns:a14="http://schemas.microsoft.com/office/drawing/2010/main">
+                <a:solidFill>
+                  <a:srgbClr val="FFFFFF"/>
+                </a:solidFill>
+              </a14:hiddenFill>
+            </a:ext>
+          </a:extLst>
+        </p:spPr>
+      </p:pic>
+      <p:pic>
+        <p:nvPicPr>
+          <p:cNvPr id="11" name="Picture 2" descr="D:\PSPSecurity\work\慈濟\親子成長班\包容班\photos\P_20160417_135131.jpg"/>
+          <p:cNvPicPr>
+            <a:picLocks noChangeAspect="1" noChangeArrowheads="1"/>
+          </p:cNvPicPr>
+          <p:nvPr/>
+        </p:nvPicPr>
+        <p:blipFill rotWithShape="1">
+          <a:blip r:embed="rId4" cstate="print">
+            <a:extLst>
+              <a:ext uri="{28A0092B-C50C-407E-A947-70E740481C1C}">
+                <a14:useLocalDpi xmlns:a14="http://schemas.microsoft.com/office/drawing/2010/main" val="0"/>
+              </a:ext>
+            </a:extLst>
+          </a:blip>
+          <a:srcRect l="27505" t="-1" r="18185" b="10026"/>
+          <a:stretch/>
+        </p:blipFill>
+        <p:spPr bwMode="auto">
+          <a:xfrm>
+            <a:off x="5289968" y="296542"/>
+            <a:ext cx="881543" cy="821508"/>
+          </a:xfrm>
+          <a:prstGeom prst="rect">
+            <a:avLst/>
+          </a:prstGeom>
+          <a:noFill/>
+          <a:extLst>
+            <a:ext uri="{909E8E84-426E-40DD-AFC4-6F175D3DCCD1}">
+              <a14:hiddenFill xmlns:a14="http://schemas.microsoft.com/office/drawing/2010/main">
+                <a:solidFill>
+                  <a:srgbClr val="FFFFFF"/>
+                </a:solidFill>
+              </a14:hiddenFill>
             </a:ext>
           </a:extLst>
         </p:spPr>
